--- a/2 - 퀘스트와 업적.pptx
+++ b/2 - 퀘스트와 업적.pptx
@@ -3447,14 +3447,14 @@
                 <a:latin typeface="나눔스퀘어OTF Light" panose="020B0600000101010101" pitchFamily="34" charset="-127"/>
                 <a:ea typeface="나눔스퀘어OTF Light" panose="020B0600000101010101" pitchFamily="34" charset="-127"/>
               </a:rPr>
-              <a:t>1. </a:t>
+              <a:t>2. </a:t>
             </a:r>
             <a:r>
               <a:rPr lang="ko-KR" altLang="en-US" sz="2000">
                 <a:latin typeface="나눔스퀘어OTF Light" panose="020B0600000101010101" pitchFamily="34" charset="-127"/>
                 <a:ea typeface="나눔스퀘어OTF Light" panose="020B0600000101010101" pitchFamily="34" charset="-127"/>
               </a:rPr>
-              <a:t>버프와 디버프</a:t>
+              <a:t>퀘스트와 업적</a:t>
             </a:r>
           </a:p>
         </p:txBody>
@@ -11022,14 +11022,14 @@
                 <a:latin typeface="나눔스퀘어OTF Light" panose="020B0600000101010101" pitchFamily="34" charset="-127"/>
                 <a:ea typeface="나눔스퀘어OTF Light" panose="020B0600000101010101" pitchFamily="34" charset="-127"/>
               </a:rPr>
-              <a:t>1. </a:t>
+              <a:t>2. </a:t>
             </a:r>
             <a:r>
               <a:rPr lang="ko-KR" altLang="en-US" sz="2000">
                 <a:latin typeface="나눔스퀘어OTF Light" panose="020B0600000101010101" pitchFamily="34" charset="-127"/>
                 <a:ea typeface="나눔스퀘어OTF Light" panose="020B0600000101010101" pitchFamily="34" charset="-127"/>
               </a:rPr>
-              <a:t>버프와 디버프</a:t>
+              <a:t>퀘스트와 업적</a:t>
             </a:r>
           </a:p>
         </p:txBody>
